--- a/presentation_clustering/Clustering.pptx
+++ b/presentation_clustering/Clustering.pptx
@@ -7,11 +7,13 @@
   <p:sldIdLst>
     <p:sldId id="256" r:id="rId2"/>
     <p:sldId id="258" r:id="rId3"/>
-    <p:sldId id="257" r:id="rId4"/>
-    <p:sldId id="259" r:id="rId5"/>
-    <p:sldId id="261" r:id="rId6"/>
-    <p:sldId id="260" r:id="rId7"/>
-    <p:sldId id="262" r:id="rId8"/>
+    <p:sldId id="264" r:id="rId4"/>
+    <p:sldId id="257" r:id="rId5"/>
+    <p:sldId id="259" r:id="rId6"/>
+    <p:sldId id="261" r:id="rId7"/>
+    <p:sldId id="263" r:id="rId8"/>
+    <p:sldId id="260" r:id="rId9"/>
+    <p:sldId id="262" r:id="rId10"/>
   </p:sldIdLst>
   <p:sldSz cx="12192000" cy="6858000"/>
   <p:notesSz cx="6858000" cy="9144000"/>
@@ -110,7 +112,16 @@
       </a:defRPr>
     </a:lvl9pPr>
   </p:defaultTextStyle>
+  <p:extLst>
+    <p:ext uri="{EFAFB233-063F-42B5-8137-9DF3F51BA10A}">
+      <p15:sldGuideLst xmlns:p15="http://schemas.microsoft.com/office/powerpoint/2012/main"/>
+    </p:ext>
+  </p:extLst>
 </p:presentation>
+</file>
+
+<file path=ppt/revisionInfo.xml><?xml version="1.0" encoding="utf-8"?>
+<p1510:revInfo xmlns:a="http://schemas.openxmlformats.org/drawingml/2006/main" xmlns:r="http://schemas.openxmlformats.org/officeDocument/2006/relationships" xmlns:p1510="http://schemas.microsoft.com/office/powerpoint/2015/10/main"/>
 </file>
 
 <file path=ppt/slideLayouts/slideLayout1.xml><?xml version="1.0" encoding="utf-8"?>
@@ -260,7 +271,7 @@
           <a:p>
             <a:fld id="{826E97E4-00D1-4C1E-AC9A-E6AEB5DE9388}" type="datetimeFigureOut">
               <a:rPr lang="de-DE" smtClean="0"/>
-              <a:t>08.12.2017</a:t>
+              <a:t>12.12.2017</a:t>
             </a:fld>
             <a:endParaRPr lang="de-DE" dirty="0"/>
           </a:p>
@@ -458,7 +469,7 @@
           <a:p>
             <a:fld id="{826E97E4-00D1-4C1E-AC9A-E6AEB5DE9388}" type="datetimeFigureOut">
               <a:rPr lang="de-DE" smtClean="0"/>
-              <a:t>08.12.2017</a:t>
+              <a:t>12.12.2017</a:t>
             </a:fld>
             <a:endParaRPr lang="de-DE" dirty="0"/>
           </a:p>
@@ -666,7 +677,7 @@
           <a:p>
             <a:fld id="{826E97E4-00D1-4C1E-AC9A-E6AEB5DE9388}" type="datetimeFigureOut">
               <a:rPr lang="de-DE" smtClean="0"/>
-              <a:t>08.12.2017</a:t>
+              <a:t>12.12.2017</a:t>
             </a:fld>
             <a:endParaRPr lang="de-DE" dirty="0"/>
           </a:p>
@@ -864,7 +875,7 @@
           <a:p>
             <a:fld id="{826E97E4-00D1-4C1E-AC9A-E6AEB5DE9388}" type="datetimeFigureOut">
               <a:rPr lang="de-DE" smtClean="0"/>
-              <a:t>08.12.2017</a:t>
+              <a:t>12.12.2017</a:t>
             </a:fld>
             <a:endParaRPr lang="de-DE" dirty="0"/>
           </a:p>
@@ -1139,7 +1150,7 @@
           <a:p>
             <a:fld id="{826E97E4-00D1-4C1E-AC9A-E6AEB5DE9388}" type="datetimeFigureOut">
               <a:rPr lang="de-DE" smtClean="0"/>
-              <a:t>08.12.2017</a:t>
+              <a:t>12.12.2017</a:t>
             </a:fld>
             <a:endParaRPr lang="de-DE" dirty="0"/>
           </a:p>
@@ -1404,7 +1415,7 @@
           <a:p>
             <a:fld id="{826E97E4-00D1-4C1E-AC9A-E6AEB5DE9388}" type="datetimeFigureOut">
               <a:rPr lang="de-DE" smtClean="0"/>
-              <a:t>08.12.2017</a:t>
+              <a:t>12.12.2017</a:t>
             </a:fld>
             <a:endParaRPr lang="de-DE" dirty="0"/>
           </a:p>
@@ -1816,7 +1827,7 @@
           <a:p>
             <a:fld id="{826E97E4-00D1-4C1E-AC9A-E6AEB5DE9388}" type="datetimeFigureOut">
               <a:rPr lang="de-DE" smtClean="0"/>
-              <a:t>08.12.2017</a:t>
+              <a:t>12.12.2017</a:t>
             </a:fld>
             <a:endParaRPr lang="de-DE" dirty="0"/>
           </a:p>
@@ -1957,7 +1968,7 @@
           <a:p>
             <a:fld id="{826E97E4-00D1-4C1E-AC9A-E6AEB5DE9388}" type="datetimeFigureOut">
               <a:rPr lang="de-DE" smtClean="0"/>
-              <a:t>08.12.2017</a:t>
+              <a:t>12.12.2017</a:t>
             </a:fld>
             <a:endParaRPr lang="de-DE" dirty="0"/>
           </a:p>
@@ -2070,7 +2081,7 @@
           <a:p>
             <a:fld id="{826E97E4-00D1-4C1E-AC9A-E6AEB5DE9388}" type="datetimeFigureOut">
               <a:rPr lang="de-DE" smtClean="0"/>
-              <a:t>08.12.2017</a:t>
+              <a:t>12.12.2017</a:t>
             </a:fld>
             <a:endParaRPr lang="de-DE" dirty="0"/>
           </a:p>
@@ -2381,7 +2392,7 @@
           <a:p>
             <a:fld id="{826E97E4-00D1-4C1E-AC9A-E6AEB5DE9388}" type="datetimeFigureOut">
               <a:rPr lang="de-DE" smtClean="0"/>
-              <a:t>08.12.2017</a:t>
+              <a:t>12.12.2017</a:t>
             </a:fld>
             <a:endParaRPr lang="de-DE" dirty="0"/>
           </a:p>
@@ -2669,7 +2680,7 @@
           <a:p>
             <a:fld id="{826E97E4-00D1-4C1E-AC9A-E6AEB5DE9388}" type="datetimeFigureOut">
               <a:rPr lang="de-DE" smtClean="0"/>
-              <a:t>08.12.2017</a:t>
+              <a:t>12.12.2017</a:t>
             </a:fld>
             <a:endParaRPr lang="de-DE" dirty="0"/>
           </a:p>
@@ -2910,7 +2921,7 @@
           <a:p>
             <a:fld id="{826E97E4-00D1-4C1E-AC9A-E6AEB5DE9388}" type="datetimeFigureOut">
               <a:rPr lang="de-DE" smtClean="0"/>
-              <a:t>08.12.2017</a:t>
+              <a:t>12.12.2017</a:t>
             </a:fld>
             <a:endParaRPr lang="de-DE" dirty="0"/>
           </a:p>
@@ -3716,14 +3727,6 @@
 <file path=ppt/slides/slide3.xml><?xml version="1.0" encoding="utf-8"?>
 <p:sld xmlns:a="http://schemas.openxmlformats.org/drawingml/2006/main" xmlns:r="http://schemas.openxmlformats.org/officeDocument/2006/relationships" xmlns:p="http://schemas.openxmlformats.org/presentationml/2006/main">
   <p:cSld>
-    <p:bg>
-      <p:bgPr>
-        <a:solidFill>
-          <a:schemeClr val="bg1"/>
-        </a:solidFill>
-        <a:effectLst/>
-      </p:bgPr>
-    </p:bg>
     <p:spTree>
       <p:nvGrpSpPr>
         <p:cNvPr id="1" name=""/>
@@ -3740,146 +3743,53 @@
       </p:grpSpPr>
       <p:sp>
         <p:nvSpPr>
-          <p:cNvPr id="19" name="Rectangle 18">
-            <a:extLst>
-              <a:ext uri="{FF2B5EF4-FFF2-40B4-BE49-F238E27FC236}">
-                <a16:creationId xmlns:a16="http://schemas.microsoft.com/office/drawing/2014/main" id="{5E39A796-BE83-48B1-B33F-35C4A32AAB57}"/>
-              </a:ext>
-            </a:extLst>
-          </p:cNvPr>
-          <p:cNvSpPr>
-            <a:spLocks noGrp="1" noRot="1" noChangeAspect="1" noMove="1" noResize="1" noEditPoints="1" noAdjustHandles="1" noChangeArrowheads="1" noChangeShapeType="1" noTextEdit="1"/>
-          </p:cNvSpPr>
-          <p:nvPr>
-            <p:extLst>
-              <p:ext uri="{386F3935-93C4-4BCD-93E2-E3B085C9AB24}">
-                <p16:designElem xmlns:p16="http://schemas.microsoft.com/office/powerpoint/2015/main" val="1"/>
-              </p:ext>
-            </p:extLst>
-          </p:nvPr>
-        </p:nvSpPr>
-        <p:spPr>
-          <a:xfrm>
-            <a:off x="4639056" y="0"/>
-            <a:ext cx="7552944" cy="6858000"/>
-          </a:xfrm>
-          <a:prstGeom prst="rect">
-            <a:avLst/>
-          </a:prstGeom>
-          <a:solidFill>
-            <a:schemeClr val="bg2"/>
-          </a:solidFill>
-          <a:ln>
-            <a:noFill/>
-          </a:ln>
-        </p:spPr>
-        <p:style>
-          <a:lnRef idx="2">
-            <a:schemeClr val="accent1">
-              <a:shade val="50000"/>
-            </a:schemeClr>
-          </a:lnRef>
-          <a:fillRef idx="1">
-            <a:schemeClr val="accent1"/>
-          </a:fillRef>
-          <a:effectRef idx="0">
-            <a:schemeClr val="accent1"/>
-          </a:effectRef>
-          <a:fontRef idx="minor">
-            <a:schemeClr val="lt1"/>
-          </a:fontRef>
-        </p:style>
-        <p:txBody>
-          <a:bodyPr rtlCol="0" anchor="ctr"/>
-          <a:lstStyle/>
-          <a:p>
-            <a:pPr algn="ctr"/>
-            <a:endParaRPr lang="en-US"/>
-          </a:p>
-        </p:txBody>
-      </p:sp>
-      <p:sp>
-        <p:nvSpPr>
-          <p:cNvPr id="21" name="Rounded Rectangle 9">
-            <a:extLst>
-              <a:ext uri="{FF2B5EF4-FFF2-40B4-BE49-F238E27FC236}">
-                <a16:creationId xmlns:a16="http://schemas.microsoft.com/office/drawing/2014/main" id="{72F84B47-E267-4194-8194-831DB7B5547F}"/>
-              </a:ext>
-            </a:extLst>
-          </p:cNvPr>
-          <p:cNvSpPr>
-            <a:spLocks noGrp="1" noRot="1" noChangeAspect="1" noMove="1" noResize="1" noEditPoints="1" noAdjustHandles="1" noChangeArrowheads="1" noChangeShapeType="1" noTextEdit="1"/>
-          </p:cNvSpPr>
-          <p:nvPr>
-            <p:extLst>
-              <p:ext uri="{386F3935-93C4-4BCD-93E2-E3B085C9AB24}">
-                <p16:designElem xmlns:p16="http://schemas.microsoft.com/office/powerpoint/2015/main" val="1"/>
-              </p:ext>
-            </p:extLst>
-          </p:nvPr>
-        </p:nvSpPr>
-        <p:spPr>
-          <a:xfrm>
-            <a:off x="5123688" y="484632"/>
-            <a:ext cx="6584098" cy="5739187"/>
-          </a:xfrm>
-          <a:prstGeom prst="roundRect">
-            <a:avLst>
-              <a:gd name="adj" fmla="val 0"/>
-            </a:avLst>
-          </a:prstGeom>
-          <a:solidFill>
-            <a:schemeClr val="bg1"/>
-          </a:solidFill>
-          <a:ln w="9525">
-            <a:noFill/>
-          </a:ln>
-          <a:effectLst>
-            <a:outerShdw blurRad="57150" dist="19050" dir="5400000" algn="t" rotWithShape="0">
-              <a:prstClr val="black">
-                <a:alpha val="63000"/>
-              </a:prstClr>
-            </a:outerShdw>
-          </a:effectLst>
-        </p:spPr>
-        <p:style>
-          <a:lnRef idx="2">
-            <a:schemeClr val="accent1">
-              <a:shade val="50000"/>
-            </a:schemeClr>
-          </a:lnRef>
-          <a:fillRef idx="1">
-            <a:schemeClr val="accent1"/>
-          </a:fillRef>
-          <a:effectRef idx="0">
-            <a:schemeClr val="accent1"/>
-          </a:effectRef>
-          <a:fontRef idx="minor">
-            <a:schemeClr val="lt1"/>
-          </a:fontRef>
-        </p:style>
-        <p:txBody>
-          <a:bodyPr rtlCol="0" anchor="ctr"/>
-          <a:lstStyle/>
-          <a:p>
-            <a:pPr algn="ctr"/>
-            <a:endParaRPr lang="en-US"/>
+          <p:cNvPr id="5" name="Titel 4">
+            <a:extLst>
+              <a:ext uri="{FF2B5EF4-FFF2-40B4-BE49-F238E27FC236}">
+                <a16:creationId xmlns:a16="http://schemas.microsoft.com/office/drawing/2014/main" id="{96F632DD-AA43-45EC-B2DD-C9BEE780CE65}"/>
+              </a:ext>
+            </a:extLst>
+          </p:cNvPr>
+          <p:cNvSpPr>
+            <a:spLocks noGrp="1"/>
+          </p:cNvSpPr>
+          <p:nvPr>
+            <p:ph type="title"/>
+          </p:nvPr>
+        </p:nvSpPr>
+        <p:spPr>
+          <a:xfrm>
+            <a:off x="838200" y="365125"/>
+            <a:ext cx="10515600" cy="1325563"/>
+          </a:xfrm>
+        </p:spPr>
+        <p:txBody>
+          <a:bodyPr/>
+          <a:lstStyle/>
+          <a:p>
+            <a:r>
+              <a:rPr lang="en-US"/>
+              <a:t>Distance methods</a:t>
+            </a:r>
+            <a:endParaRPr lang="en-US" dirty="0"/>
           </a:p>
         </p:txBody>
       </p:sp>
       <p:pic>
         <p:nvPicPr>
-          <p:cNvPr id="7" name="Grafik 6">
-            <a:extLst>
-              <a:ext uri="{FF2B5EF4-FFF2-40B4-BE49-F238E27FC236}">
-                <a16:creationId xmlns:a16="http://schemas.microsoft.com/office/drawing/2014/main" id="{64023B0E-6392-4C10-88C7-4849CA9F53C0}"/>
+          <p:cNvPr id="9" name="Inhaltsplatzhalter 8">
+            <a:extLst>
+              <a:ext uri="{FF2B5EF4-FFF2-40B4-BE49-F238E27FC236}">
+                <a16:creationId xmlns:a16="http://schemas.microsoft.com/office/drawing/2014/main" id="{42080D30-6A0C-47FD-8E40-CEE30DCCBB08}"/>
               </a:ext>
             </a:extLst>
           </p:cNvPr>
           <p:cNvPicPr>
-            <a:picLocks noChangeAspect="1"/>
+            <a:picLocks noGrp="1" noChangeAspect="1"/>
           </p:cNvPicPr>
-          <p:nvPr/>
+          <p:nvPr>
+            <p:ph sz="half" idx="1"/>
+          </p:nvPr>
         </p:nvPicPr>
         <p:blipFill>
           <a:blip r:embed="rId2">
@@ -3895,113 +3805,50 @@
         </p:blipFill>
         <p:spPr>
           <a:xfrm>
-            <a:off x="6028941" y="965595"/>
-            <a:ext cx="4773591" cy="4773591"/>
-          </a:xfrm>
-          <a:prstGeom prst="rect">
-            <a:avLst/>
-          </a:prstGeom>
-          <a:effectLst/>
+            <a:off x="443776" y="1224965"/>
+            <a:ext cx="5400433" cy="5400433"/>
+          </a:xfrm>
         </p:spPr>
       </p:pic>
-      <p:sp>
-        <p:nvSpPr>
-          <p:cNvPr id="2" name="Titel 1">
-            <a:extLst>
-              <a:ext uri="{FF2B5EF4-FFF2-40B4-BE49-F238E27FC236}">
-                <a16:creationId xmlns:a16="http://schemas.microsoft.com/office/drawing/2014/main" id="{826C10B2-13F6-4F9B-A178-5743B4DEAA24}"/>
-              </a:ext>
-            </a:extLst>
-          </p:cNvPr>
-          <p:cNvSpPr>
-            <a:spLocks noGrp="1"/>
-          </p:cNvSpPr>
-          <p:nvPr>
-            <p:ph type="title"/>
-          </p:nvPr>
-        </p:nvSpPr>
-        <p:spPr>
-          <a:xfrm>
-            <a:off x="648929" y="629266"/>
-            <a:ext cx="3505495" cy="1622321"/>
-          </a:xfrm>
-        </p:spPr>
-        <p:txBody>
-          <a:bodyPr>
-            <a:normAutofit/>
-          </a:bodyPr>
-          <a:lstStyle/>
-          <a:p>
-            <a:r>
-              <a:rPr lang="de-DE" dirty="0"/>
-              <a:t>Diana</a:t>
-            </a:r>
-          </a:p>
-        </p:txBody>
-      </p:sp>
-      <p:sp>
-        <p:nvSpPr>
-          <p:cNvPr id="3" name="Inhaltsplatzhalter 2">
-            <a:extLst>
-              <a:ext uri="{FF2B5EF4-FFF2-40B4-BE49-F238E27FC236}">
-                <a16:creationId xmlns:a16="http://schemas.microsoft.com/office/drawing/2014/main" id="{34922A7D-7030-4D46-BEEC-E0F4D9E94206}"/>
-              </a:ext>
-            </a:extLst>
-          </p:cNvPr>
-          <p:cNvSpPr>
-            <a:spLocks noGrp="1"/>
-          </p:cNvSpPr>
-          <p:nvPr>
-            <p:ph idx="1"/>
-          </p:nvPr>
-        </p:nvSpPr>
-        <p:spPr>
-          <a:xfrm>
-            <a:off x="648931" y="2438400"/>
-            <a:ext cx="3505494" cy="3785419"/>
-          </a:xfrm>
-        </p:spPr>
-        <p:txBody>
-          <a:bodyPr>
-            <a:normAutofit/>
-          </a:bodyPr>
-          <a:lstStyle/>
-          <a:p>
-            <a:r>
-              <a:rPr lang="en-US" sz="2000" dirty="0"/>
-              <a:t>Top-down – from one to many</a:t>
-            </a:r>
-          </a:p>
-          <a:p>
-            <a:r>
-              <a:rPr lang="en-US" sz="2000" dirty="0"/>
-              <a:t>Begin with one cluster and split farthest element</a:t>
-            </a:r>
-          </a:p>
-          <a:p>
-            <a:r>
-              <a:rPr lang="en-US" sz="2000" dirty="0"/>
-              <a:t>Check with cluster is nearer an add to this cluster</a:t>
-            </a:r>
-          </a:p>
-          <a:p>
-            <a:r>
-              <a:rPr lang="en-US" sz="2000" dirty="0"/>
-              <a:t>Dendrogram shows joining of clusters – in fact shows splitting</a:t>
-            </a:r>
-          </a:p>
-          <a:p>
-            <a:pPr marL="0" indent="0">
-              <a:buNone/>
-            </a:pPr>
-            <a:endParaRPr lang="de-DE" sz="2000" dirty="0"/>
-          </a:p>
-        </p:txBody>
-      </p:sp>
+      <p:pic>
+        <p:nvPicPr>
+          <p:cNvPr id="11" name="Inhaltsplatzhalter 10">
+            <a:extLst>
+              <a:ext uri="{FF2B5EF4-FFF2-40B4-BE49-F238E27FC236}">
+                <a16:creationId xmlns:a16="http://schemas.microsoft.com/office/drawing/2014/main" id="{E0E52AA5-5287-4893-AB7D-388589A6589D}"/>
+              </a:ext>
+            </a:extLst>
+          </p:cNvPr>
+          <p:cNvPicPr>
+            <a:picLocks noGrp="1" noChangeAspect="1"/>
+          </p:cNvPicPr>
+          <p:nvPr>
+            <p:ph sz="half" idx="2"/>
+          </p:nvPr>
+        </p:nvPicPr>
+        <p:blipFill>
+          <a:blip r:embed="rId3">
+            <a:extLst>
+              <a:ext uri="{28A0092B-C50C-407E-A947-70E740481C1C}">
+                <a14:useLocalDpi xmlns:a14="http://schemas.microsoft.com/office/drawing/2010/main" val="0"/>
+              </a:ext>
+            </a:extLst>
+          </a:blip>
+          <a:stretch>
+            <a:fillRect/>
+          </a:stretch>
+        </p:blipFill>
+        <p:spPr>
+          <a:xfrm>
+            <a:off x="5953368" y="1224965"/>
+            <a:ext cx="5400432" cy="5400432"/>
+          </a:xfrm>
+        </p:spPr>
+      </p:pic>
     </p:spTree>
     <p:extLst>
       <p:ext uri="{BB962C8B-B14F-4D97-AF65-F5344CB8AC3E}">
-        <p14:creationId xmlns:p14="http://schemas.microsoft.com/office/powerpoint/2010/main" val="2007485827"/>
+        <p14:creationId xmlns:p14="http://schemas.microsoft.com/office/powerpoint/2010/main" val="3681068952"/>
       </p:ext>
     </p:extLst>
   </p:cSld>
@@ -4038,7 +3885,7 @@
       </p:grpSpPr>
       <p:sp>
         <p:nvSpPr>
-          <p:cNvPr id="12" name="Rectangle 11">
+          <p:cNvPr id="19" name="Rectangle 18">
             <a:extLst>
               <a:ext uri="{FF2B5EF4-FFF2-40B4-BE49-F238E27FC236}">
                 <a16:creationId xmlns:a16="http://schemas.microsoft.com/office/drawing/2014/main" id="{5E39A796-BE83-48B1-B33F-35C4A32AAB57}"/>
@@ -4098,7 +3945,7 @@
       </p:sp>
       <p:sp>
         <p:nvSpPr>
-          <p:cNvPr id="14" name="Rounded Rectangle 9">
+          <p:cNvPr id="21" name="Rounded Rectangle 9">
             <a:extLst>
               <a:ext uri="{FF2B5EF4-FFF2-40B4-BE49-F238E27FC236}">
                 <a16:creationId xmlns:a16="http://schemas.microsoft.com/office/drawing/2014/main" id="{72F84B47-E267-4194-8194-831DB7B5547F}"/>
@@ -4170,7 +4017,7 @@
           <p:cNvPr id="7" name="Grafik 6">
             <a:extLst>
               <a:ext uri="{FF2B5EF4-FFF2-40B4-BE49-F238E27FC236}">
-                <a16:creationId xmlns:a16="http://schemas.microsoft.com/office/drawing/2014/main" id="{18D97563-5485-4C1B-8574-040FCAA0E4E5}"/>
+                <a16:creationId xmlns:a16="http://schemas.microsoft.com/office/drawing/2014/main" id="{64023B0E-6392-4C10-88C7-4849CA9F53C0}"/>
               </a:ext>
             </a:extLst>
           </p:cNvPr>
@@ -4193,8 +4040,8 @@
         </p:blipFill>
         <p:spPr>
           <a:xfrm>
-            <a:off x="5608319" y="1246828"/>
-            <a:ext cx="5614835" cy="4211125"/>
+            <a:off x="6028941" y="965595"/>
+            <a:ext cx="4773591" cy="4773591"/>
           </a:xfrm>
           <a:prstGeom prst="rect">
             <a:avLst/>
@@ -4207,7 +4054,7 @@
           <p:cNvPr id="2" name="Titel 1">
             <a:extLst>
               <a:ext uri="{FF2B5EF4-FFF2-40B4-BE49-F238E27FC236}">
-                <a16:creationId xmlns:a16="http://schemas.microsoft.com/office/drawing/2014/main" id="{C506AC3D-6ED3-4422-B57F-9B2883919339}"/>
+                <a16:creationId xmlns:a16="http://schemas.microsoft.com/office/drawing/2014/main" id="{826C10B2-13F6-4F9B-A178-5743B4DEAA24}"/>
               </a:ext>
             </a:extLst>
           </p:cNvPr>
@@ -4231,8 +4078,8 @@
           <a:lstStyle/>
           <a:p>
             <a:r>
-              <a:rPr lang="en-US" dirty="0"/>
-              <a:t>K-Means</a:t>
+              <a:rPr lang="de-DE" dirty="0"/>
+              <a:t>Diana</a:t>
             </a:r>
           </a:p>
         </p:txBody>
@@ -4242,7 +4089,7 @@
           <p:cNvPr id="3" name="Inhaltsplatzhalter 2">
             <a:extLst>
               <a:ext uri="{FF2B5EF4-FFF2-40B4-BE49-F238E27FC236}">
-                <a16:creationId xmlns:a16="http://schemas.microsoft.com/office/drawing/2014/main" id="{CAC255D9-138E-4429-AD48-991B67596EE5}"/>
+                <a16:creationId xmlns:a16="http://schemas.microsoft.com/office/drawing/2014/main" id="{34922A7D-7030-4D46-BEEC-E0F4D9E94206}"/>
               </a:ext>
             </a:extLst>
           </p:cNvPr>
@@ -4267,27 +4114,39 @@
           <a:p>
             <a:r>
               <a:rPr lang="en-US" sz="2000" dirty="0"/>
-              <a:t>Clustering with defined number of clusters</a:t>
+              <a:t>Top-down – from one to many</a:t>
             </a:r>
           </a:p>
           <a:p>
             <a:r>
               <a:rPr lang="en-US" sz="2000" dirty="0"/>
-              <a:t>Scoring methods “rank” clustering compared to a perfect cluster example</a:t>
+              <a:t>Begin with one cluster and split farthest element</a:t>
             </a:r>
           </a:p>
           <a:p>
             <a:r>
               <a:rPr lang="en-US" sz="2000" dirty="0"/>
-              <a:t>For good results clustering have to be repeated more often for one k to get overall best</a:t>
-            </a:r>
+              <a:t>Check with cluster is nearer an add to this cluster</a:t>
+            </a:r>
+          </a:p>
+          <a:p>
+            <a:r>
+              <a:rPr lang="en-US" sz="2000" dirty="0"/>
+              <a:t>Dendrogram shows joining of clusters – in fact shows splitting</a:t>
+            </a:r>
+          </a:p>
+          <a:p>
+            <a:pPr marL="0" indent="0">
+              <a:buNone/>
+            </a:pPr>
+            <a:endParaRPr lang="de-DE" sz="2000" dirty="0"/>
           </a:p>
         </p:txBody>
       </p:sp>
     </p:spTree>
     <p:extLst>
       <p:ext uri="{BB962C8B-B14F-4D97-AF65-F5344CB8AC3E}">
-        <p14:creationId xmlns:p14="http://schemas.microsoft.com/office/powerpoint/2010/main" val="1359919554"/>
+        <p14:creationId xmlns:p14="http://schemas.microsoft.com/office/powerpoint/2010/main" val="2007485827"/>
       </p:ext>
     </p:extLst>
   </p:cSld>
@@ -4324,7 +4183,7 @@
       </p:grpSpPr>
       <p:sp>
         <p:nvSpPr>
-          <p:cNvPr id="17" name="Rectangle 16">
+          <p:cNvPr id="12" name="Rectangle 11">
             <a:extLst>
               <a:ext uri="{FF2B5EF4-FFF2-40B4-BE49-F238E27FC236}">
                 <a16:creationId xmlns:a16="http://schemas.microsoft.com/office/drawing/2014/main" id="{5E39A796-BE83-48B1-B33F-35C4A32AAB57}"/>
@@ -4384,7 +4243,7 @@
       </p:sp>
       <p:sp>
         <p:nvSpPr>
-          <p:cNvPr id="19" name="Rounded Rectangle 9">
+          <p:cNvPr id="14" name="Rounded Rectangle 9">
             <a:extLst>
               <a:ext uri="{FF2B5EF4-FFF2-40B4-BE49-F238E27FC236}">
                 <a16:creationId xmlns:a16="http://schemas.microsoft.com/office/drawing/2014/main" id="{72F84B47-E267-4194-8194-831DB7B5547F}"/>
@@ -4451,120 +4310,12 @@
           </a:p>
         </p:txBody>
       </p:sp>
-      <p:sp>
-        <p:nvSpPr>
-          <p:cNvPr id="2" name="Titel 1">
-            <a:extLst>
-              <a:ext uri="{FF2B5EF4-FFF2-40B4-BE49-F238E27FC236}">
-                <a16:creationId xmlns:a16="http://schemas.microsoft.com/office/drawing/2014/main" id="{76E19702-20D0-466C-8D2D-F58D4C196DF5}"/>
-              </a:ext>
-            </a:extLst>
-          </p:cNvPr>
-          <p:cNvSpPr>
-            <a:spLocks noGrp="1"/>
-          </p:cNvSpPr>
-          <p:nvPr>
-            <p:ph type="title"/>
-          </p:nvPr>
-        </p:nvSpPr>
-        <p:spPr>
-          <a:xfrm>
-            <a:off x="648929" y="629266"/>
-            <a:ext cx="3505495" cy="1622321"/>
-          </a:xfrm>
-        </p:spPr>
-        <p:txBody>
-          <a:bodyPr vert="horz" lIns="91440" tIns="45720" rIns="91440" bIns="45720" rtlCol="0" anchor="ctr">
-            <a:normAutofit/>
-          </a:bodyPr>
-          <a:lstStyle/>
-          <a:p>
-            <a:r>
-              <a:rPr lang="en-US" sz="4400" kern="1200" dirty="0">
-                <a:solidFill>
-                  <a:schemeClr val="tx1"/>
-                </a:solidFill>
-                <a:latin typeface="+mj-lt"/>
-                <a:ea typeface="+mj-ea"/>
-                <a:cs typeface="+mj-cs"/>
-              </a:rPr>
-              <a:t>Result of K-Means</a:t>
-            </a:r>
-          </a:p>
-        </p:txBody>
-      </p:sp>
-      <p:sp>
-        <p:nvSpPr>
-          <p:cNvPr id="5" name="Textplatzhalter 4">
-            <a:extLst>
-              <a:ext uri="{FF2B5EF4-FFF2-40B4-BE49-F238E27FC236}">
-                <a16:creationId xmlns:a16="http://schemas.microsoft.com/office/drawing/2014/main" id="{2A00573B-DF6C-4E1D-BD7C-7379C361269F}"/>
-              </a:ext>
-            </a:extLst>
-          </p:cNvPr>
-          <p:cNvSpPr>
-            <a:spLocks noGrp="1"/>
-          </p:cNvSpPr>
-          <p:nvPr>
-            <p:ph type="body" sz="half" idx="2"/>
-          </p:nvPr>
-        </p:nvSpPr>
-        <p:spPr>
-          <a:xfrm>
-            <a:off x="648931" y="2438400"/>
-            <a:ext cx="3505494" cy="3785419"/>
-          </a:xfrm>
-        </p:spPr>
-        <p:txBody>
-          <a:bodyPr vert="horz" lIns="91440" tIns="45720" rIns="91440" bIns="45720" rtlCol="0">
-            <a:normAutofit/>
-          </a:bodyPr>
-          <a:lstStyle/>
-          <a:p>
-            <a:pPr indent="-228600">
-              <a:buFont typeface="Arial" panose="020B0604020202020204" pitchFamily="34" charset="0"/>
-              <a:buChar char="•"/>
-            </a:pPr>
-            <a:r>
-              <a:rPr lang="en-US" sz="2000" dirty="0"/>
-              <a:t>Plot clusters with different colors</a:t>
-            </a:r>
-          </a:p>
-          <a:p>
-            <a:pPr indent="-228600">
-              <a:buFont typeface="Arial" panose="020B0604020202020204" pitchFamily="34" charset="0"/>
-              <a:buChar char="•"/>
-            </a:pPr>
-            <a:r>
-              <a:rPr lang="en-US" sz="2000" dirty="0"/>
-              <a:t>Good overview</a:t>
-            </a:r>
-          </a:p>
-          <a:p>
-            <a:pPr indent="-228600">
-              <a:buFont typeface="Arial" panose="020B0604020202020204" pitchFamily="34" charset="0"/>
-              <a:buChar char="•"/>
-            </a:pPr>
-            <a:r>
-              <a:rPr lang="en-US" sz="2000" dirty="0"/>
-              <a:t>Visual check how well clustering did</a:t>
-            </a:r>
-          </a:p>
-          <a:p>
-            <a:pPr indent="-228600">
-              <a:buFont typeface="Arial" panose="020B0604020202020204" pitchFamily="34" charset="0"/>
-              <a:buChar char="•"/>
-            </a:pPr>
-            <a:endParaRPr lang="en-US" sz="2000" dirty="0"/>
-          </a:p>
-        </p:txBody>
-      </p:sp>
       <p:pic>
         <p:nvPicPr>
-          <p:cNvPr id="11" name="Grafik 10" descr="Ein Bild, das Screenshot enthält.&#10;&#10;Mit hoher Zuverlässigkeit generierte Beschreibung">
-            <a:extLst>
-              <a:ext uri="{FF2B5EF4-FFF2-40B4-BE49-F238E27FC236}">
-                <a16:creationId xmlns:a16="http://schemas.microsoft.com/office/drawing/2014/main" id="{0733A914-7A03-4402-8D70-FAB79C3255E3}"/>
+          <p:cNvPr id="7" name="Grafik 6">
+            <a:extLst>
+              <a:ext uri="{FF2B5EF4-FFF2-40B4-BE49-F238E27FC236}">
+                <a16:creationId xmlns:a16="http://schemas.microsoft.com/office/drawing/2014/main" id="{18D97563-5485-4C1B-8574-040FCAA0E4E5}"/>
               </a:ext>
             </a:extLst>
           </p:cNvPr>
@@ -4587,45 +4338,93 @@
         </p:blipFill>
         <p:spPr>
           <a:xfrm>
-            <a:off x="5123689" y="885188"/>
-            <a:ext cx="6584097" cy="4938073"/>
+            <a:off x="5608319" y="1246828"/>
+            <a:ext cx="5614835" cy="4211125"/>
           </a:xfrm>
           <a:prstGeom prst="rect">
             <a:avLst/>
           </a:prstGeom>
+          <a:effectLst/>
         </p:spPr>
       </p:pic>
       <p:sp>
         <p:nvSpPr>
-          <p:cNvPr id="8" name="Textfeld 7">
-            <a:extLst>
-              <a:ext uri="{FF2B5EF4-FFF2-40B4-BE49-F238E27FC236}">
-                <a16:creationId xmlns:a16="http://schemas.microsoft.com/office/drawing/2014/main" id="{B53467A2-55EB-4642-9E13-348EC3C9BCB0}"/>
-              </a:ext>
-            </a:extLst>
-          </p:cNvPr>
-          <p:cNvSpPr txBox="1"/>
-          <p:nvPr/>
-        </p:nvSpPr>
-        <p:spPr>
-          <a:xfrm>
-            <a:off x="7507939" y="942838"/>
-            <a:ext cx="1815177" cy="369332"/>
-          </a:xfrm>
-          <a:prstGeom prst="rect">
-            <a:avLst/>
-          </a:prstGeom>
-          <a:noFill/>
-        </p:spPr>
-        <p:txBody>
-          <a:bodyPr wrap="none" rtlCol="0">
-            <a:spAutoFit/>
+          <p:cNvPr id="2" name="Titel 1">
+            <a:extLst>
+              <a:ext uri="{FF2B5EF4-FFF2-40B4-BE49-F238E27FC236}">
+                <a16:creationId xmlns:a16="http://schemas.microsoft.com/office/drawing/2014/main" id="{C506AC3D-6ED3-4422-B57F-9B2883919339}"/>
+              </a:ext>
+            </a:extLst>
+          </p:cNvPr>
+          <p:cNvSpPr>
+            <a:spLocks noGrp="1"/>
+          </p:cNvSpPr>
+          <p:nvPr>
+            <p:ph type="title"/>
+          </p:nvPr>
+        </p:nvSpPr>
+        <p:spPr>
+          <a:xfrm>
+            <a:off x="648929" y="629266"/>
+            <a:ext cx="3505495" cy="1622321"/>
+          </a:xfrm>
+        </p:spPr>
+        <p:txBody>
+          <a:bodyPr>
+            <a:normAutofit/>
           </a:bodyPr>
           <a:lstStyle/>
           <a:p>
             <a:r>
               <a:rPr lang="en-US" dirty="0"/>
-              <a:t>s2 dataset – k=15</a:t>
+              <a:t>K-Means</a:t>
+            </a:r>
+          </a:p>
+        </p:txBody>
+      </p:sp>
+      <p:sp>
+        <p:nvSpPr>
+          <p:cNvPr id="3" name="Inhaltsplatzhalter 2">
+            <a:extLst>
+              <a:ext uri="{FF2B5EF4-FFF2-40B4-BE49-F238E27FC236}">
+                <a16:creationId xmlns:a16="http://schemas.microsoft.com/office/drawing/2014/main" id="{CAC255D9-138E-4429-AD48-991B67596EE5}"/>
+              </a:ext>
+            </a:extLst>
+          </p:cNvPr>
+          <p:cNvSpPr>
+            <a:spLocks noGrp="1"/>
+          </p:cNvSpPr>
+          <p:nvPr>
+            <p:ph idx="1"/>
+          </p:nvPr>
+        </p:nvSpPr>
+        <p:spPr>
+          <a:xfrm>
+            <a:off x="648931" y="2438400"/>
+            <a:ext cx="3505494" cy="3785419"/>
+          </a:xfrm>
+        </p:spPr>
+        <p:txBody>
+          <a:bodyPr>
+            <a:normAutofit/>
+          </a:bodyPr>
+          <a:lstStyle/>
+          <a:p>
+            <a:r>
+              <a:rPr lang="en-US" sz="2000" dirty="0"/>
+              <a:t>Clustering with defined number of clusters</a:t>
+            </a:r>
+          </a:p>
+          <a:p>
+            <a:r>
+              <a:rPr lang="en-US" sz="2000" dirty="0"/>
+              <a:t>Scoring methods “rank” clustering compared to a perfect cluster example</a:t>
+            </a:r>
+          </a:p>
+          <a:p>
+            <a:r>
+              <a:rPr lang="en-US" sz="2000" dirty="0"/>
+              <a:t>For good results clustering have to be repeated more often for one k to get overall best</a:t>
             </a:r>
           </a:p>
         </p:txBody>
@@ -4633,7 +4432,7 @@
     </p:spTree>
     <p:extLst>
       <p:ext uri="{BB962C8B-B14F-4D97-AF65-F5344CB8AC3E}">
-        <p14:creationId xmlns:p14="http://schemas.microsoft.com/office/powerpoint/2010/main" val="1323286493"/>
+        <p14:creationId xmlns:p14="http://schemas.microsoft.com/office/powerpoint/2010/main" val="1359919554"/>
       </p:ext>
     </p:extLst>
   </p:cSld>
@@ -4670,7 +4469,7 @@
       </p:grpSpPr>
       <p:sp>
         <p:nvSpPr>
-          <p:cNvPr id="11" name="Rectangle 10">
+          <p:cNvPr id="17" name="Rectangle 16">
             <a:extLst>
               <a:ext uri="{FF2B5EF4-FFF2-40B4-BE49-F238E27FC236}">
                 <a16:creationId xmlns:a16="http://schemas.microsoft.com/office/drawing/2014/main" id="{5E39A796-BE83-48B1-B33F-35C4A32AAB57}"/>
@@ -4730,7 +4529,7 @@
       </p:sp>
       <p:sp>
         <p:nvSpPr>
-          <p:cNvPr id="13" name="Rounded Rectangle 9">
+          <p:cNvPr id="19" name="Rounded Rectangle 9">
             <a:extLst>
               <a:ext uri="{FF2B5EF4-FFF2-40B4-BE49-F238E27FC236}">
                 <a16:creationId xmlns:a16="http://schemas.microsoft.com/office/drawing/2014/main" id="{72F84B47-E267-4194-8194-831DB7B5547F}"/>
@@ -4797,6 +4596,548 @@
           </a:p>
         </p:txBody>
       </p:sp>
+      <p:sp>
+        <p:nvSpPr>
+          <p:cNvPr id="2" name="Titel 1">
+            <a:extLst>
+              <a:ext uri="{FF2B5EF4-FFF2-40B4-BE49-F238E27FC236}">
+                <a16:creationId xmlns:a16="http://schemas.microsoft.com/office/drawing/2014/main" id="{76E19702-20D0-466C-8D2D-F58D4C196DF5}"/>
+              </a:ext>
+            </a:extLst>
+          </p:cNvPr>
+          <p:cNvSpPr>
+            <a:spLocks noGrp="1"/>
+          </p:cNvSpPr>
+          <p:nvPr>
+            <p:ph type="title"/>
+          </p:nvPr>
+        </p:nvSpPr>
+        <p:spPr>
+          <a:xfrm>
+            <a:off x="648929" y="629266"/>
+            <a:ext cx="3505495" cy="1622321"/>
+          </a:xfrm>
+        </p:spPr>
+        <p:txBody>
+          <a:bodyPr vert="horz" lIns="91440" tIns="45720" rIns="91440" bIns="45720" rtlCol="0" anchor="ctr">
+            <a:normAutofit/>
+          </a:bodyPr>
+          <a:lstStyle/>
+          <a:p>
+            <a:r>
+              <a:rPr lang="en-US" sz="4400" kern="1200" dirty="0">
+                <a:solidFill>
+                  <a:schemeClr val="tx1"/>
+                </a:solidFill>
+                <a:latin typeface="+mj-lt"/>
+                <a:ea typeface="+mj-ea"/>
+                <a:cs typeface="+mj-cs"/>
+              </a:rPr>
+              <a:t>Result of K-Means</a:t>
+            </a:r>
+          </a:p>
+        </p:txBody>
+      </p:sp>
+      <p:sp>
+        <p:nvSpPr>
+          <p:cNvPr id="5" name="Textplatzhalter 4">
+            <a:extLst>
+              <a:ext uri="{FF2B5EF4-FFF2-40B4-BE49-F238E27FC236}">
+                <a16:creationId xmlns:a16="http://schemas.microsoft.com/office/drawing/2014/main" id="{2A00573B-DF6C-4E1D-BD7C-7379C361269F}"/>
+              </a:ext>
+            </a:extLst>
+          </p:cNvPr>
+          <p:cNvSpPr>
+            <a:spLocks noGrp="1"/>
+          </p:cNvSpPr>
+          <p:nvPr>
+            <p:ph type="body" sz="half" idx="2"/>
+          </p:nvPr>
+        </p:nvSpPr>
+        <p:spPr>
+          <a:xfrm>
+            <a:off x="648931" y="2438400"/>
+            <a:ext cx="3505494" cy="3785419"/>
+          </a:xfrm>
+        </p:spPr>
+        <p:txBody>
+          <a:bodyPr vert="horz" lIns="91440" tIns="45720" rIns="91440" bIns="45720" rtlCol="0">
+            <a:normAutofit/>
+          </a:bodyPr>
+          <a:lstStyle/>
+          <a:p>
+            <a:pPr indent="-228600">
+              <a:buFont typeface="Arial" panose="020B0604020202020204" pitchFamily="34" charset="0"/>
+              <a:buChar char="•"/>
+            </a:pPr>
+            <a:r>
+              <a:rPr lang="en-US" sz="2000" dirty="0"/>
+              <a:t>Plot clusters with different colors</a:t>
+            </a:r>
+          </a:p>
+          <a:p>
+            <a:pPr indent="-228600">
+              <a:buFont typeface="Arial" panose="020B0604020202020204" pitchFamily="34" charset="0"/>
+              <a:buChar char="•"/>
+            </a:pPr>
+            <a:r>
+              <a:rPr lang="en-US" sz="2000" dirty="0"/>
+              <a:t>Good overview</a:t>
+            </a:r>
+          </a:p>
+          <a:p>
+            <a:pPr indent="-228600">
+              <a:buFont typeface="Arial" panose="020B0604020202020204" pitchFamily="34" charset="0"/>
+              <a:buChar char="•"/>
+            </a:pPr>
+            <a:r>
+              <a:rPr lang="en-US" sz="2000" dirty="0"/>
+              <a:t>Visual check how well clustering did</a:t>
+            </a:r>
+          </a:p>
+          <a:p>
+            <a:pPr indent="-228600">
+              <a:buFont typeface="Arial" panose="020B0604020202020204" pitchFamily="34" charset="0"/>
+              <a:buChar char="•"/>
+            </a:pPr>
+            <a:endParaRPr lang="en-US" sz="2000" dirty="0"/>
+          </a:p>
+        </p:txBody>
+      </p:sp>
+      <p:pic>
+        <p:nvPicPr>
+          <p:cNvPr id="11" name="Grafik 10" descr="Ein Bild, das Screenshot enthält.&#10;&#10;Mit hoher Zuverlässigkeit generierte Beschreibung">
+            <a:extLst>
+              <a:ext uri="{FF2B5EF4-FFF2-40B4-BE49-F238E27FC236}">
+                <a16:creationId xmlns:a16="http://schemas.microsoft.com/office/drawing/2014/main" id="{0733A914-7A03-4402-8D70-FAB79C3255E3}"/>
+              </a:ext>
+            </a:extLst>
+          </p:cNvPr>
+          <p:cNvPicPr>
+            <a:picLocks noChangeAspect="1"/>
+          </p:cNvPicPr>
+          <p:nvPr/>
+        </p:nvPicPr>
+        <p:blipFill>
+          <a:blip r:embed="rId2">
+            <a:extLst>
+              <a:ext uri="{28A0092B-C50C-407E-A947-70E740481C1C}">
+                <a14:useLocalDpi xmlns:a14="http://schemas.microsoft.com/office/drawing/2010/main" val="0"/>
+              </a:ext>
+            </a:extLst>
+          </a:blip>
+          <a:stretch>
+            <a:fillRect/>
+          </a:stretch>
+        </p:blipFill>
+        <p:spPr>
+          <a:xfrm>
+            <a:off x="5123689" y="885188"/>
+            <a:ext cx="6584097" cy="4938073"/>
+          </a:xfrm>
+          <a:prstGeom prst="rect">
+            <a:avLst/>
+          </a:prstGeom>
+        </p:spPr>
+      </p:pic>
+      <p:sp>
+        <p:nvSpPr>
+          <p:cNvPr id="8" name="Textfeld 7">
+            <a:extLst>
+              <a:ext uri="{FF2B5EF4-FFF2-40B4-BE49-F238E27FC236}">
+                <a16:creationId xmlns:a16="http://schemas.microsoft.com/office/drawing/2014/main" id="{B53467A2-55EB-4642-9E13-348EC3C9BCB0}"/>
+              </a:ext>
+            </a:extLst>
+          </p:cNvPr>
+          <p:cNvSpPr txBox="1"/>
+          <p:nvPr/>
+        </p:nvSpPr>
+        <p:spPr>
+          <a:xfrm>
+            <a:off x="7507939" y="942838"/>
+            <a:ext cx="1815177" cy="369332"/>
+          </a:xfrm>
+          <a:prstGeom prst="rect">
+            <a:avLst/>
+          </a:prstGeom>
+          <a:noFill/>
+        </p:spPr>
+        <p:txBody>
+          <a:bodyPr wrap="none" rtlCol="0">
+            <a:spAutoFit/>
+          </a:bodyPr>
+          <a:lstStyle/>
+          <a:p>
+            <a:r>
+              <a:rPr lang="en-US" dirty="0"/>
+              <a:t>s2 dataset – k=15</a:t>
+            </a:r>
+          </a:p>
+        </p:txBody>
+      </p:sp>
+    </p:spTree>
+    <p:extLst>
+      <p:ext uri="{BB962C8B-B14F-4D97-AF65-F5344CB8AC3E}">
+        <p14:creationId xmlns:p14="http://schemas.microsoft.com/office/powerpoint/2010/main" val="1323286493"/>
+      </p:ext>
+    </p:extLst>
+  </p:cSld>
+  <p:clrMapOvr>
+    <a:masterClrMapping/>
+  </p:clrMapOvr>
+</p:sld>
+</file>
+
+<file path=ppt/slides/slide7.xml><?xml version="1.0" encoding="utf-8"?>
+<p:sld xmlns:a="http://schemas.openxmlformats.org/drawingml/2006/main" xmlns:r="http://schemas.openxmlformats.org/officeDocument/2006/relationships" xmlns:p="http://schemas.openxmlformats.org/presentationml/2006/main">
+  <p:cSld>
+    <p:spTree>
+      <p:nvGrpSpPr>
+        <p:cNvPr id="1" name=""/>
+        <p:cNvGrpSpPr/>
+        <p:nvPr/>
+      </p:nvGrpSpPr>
+      <p:grpSpPr>
+        <a:xfrm>
+          <a:off x="0" y="0"/>
+          <a:ext cx="0" cy="0"/>
+          <a:chOff x="0" y="0"/>
+          <a:chExt cx="0" cy="0"/>
+        </a:xfrm>
+      </p:grpSpPr>
+      <p:sp>
+        <p:nvSpPr>
+          <p:cNvPr id="5" name="Titel 4">
+            <a:extLst>
+              <a:ext uri="{FF2B5EF4-FFF2-40B4-BE49-F238E27FC236}">
+                <a16:creationId xmlns:a16="http://schemas.microsoft.com/office/drawing/2014/main" id="{973D6B33-DCC8-46D6-9161-47DE1D3ED2F9}"/>
+              </a:ext>
+            </a:extLst>
+          </p:cNvPr>
+          <p:cNvSpPr>
+            <a:spLocks noGrp="1"/>
+          </p:cNvSpPr>
+          <p:nvPr>
+            <p:ph type="title"/>
+          </p:nvPr>
+        </p:nvSpPr>
+        <p:spPr/>
+        <p:txBody>
+          <a:bodyPr/>
+          <a:lstStyle/>
+          <a:p>
+            <a:r>
+              <a:rPr lang="en-US" dirty="0"/>
+              <a:t>Special case – Compound dataset</a:t>
+            </a:r>
+          </a:p>
+        </p:txBody>
+      </p:sp>
+      <p:pic>
+        <p:nvPicPr>
+          <p:cNvPr id="15" name="Inhaltsplatzhalter 14">
+            <a:extLst>
+              <a:ext uri="{FF2B5EF4-FFF2-40B4-BE49-F238E27FC236}">
+                <a16:creationId xmlns:a16="http://schemas.microsoft.com/office/drawing/2014/main" id="{B0794CDA-1596-4FB6-A0EE-DC5060AB2AF3}"/>
+              </a:ext>
+            </a:extLst>
+          </p:cNvPr>
+          <p:cNvPicPr>
+            <a:picLocks noGrp="1" noChangeAspect="1"/>
+          </p:cNvPicPr>
+          <p:nvPr>
+            <p:ph sz="half" idx="1"/>
+          </p:nvPr>
+        </p:nvPicPr>
+        <p:blipFill rotWithShape="1">
+          <a:blip r:embed="rId2">
+            <a:extLst>
+              <a:ext uri="{28A0092B-C50C-407E-A947-70E740481C1C}">
+                <a14:useLocalDpi xmlns:a14="http://schemas.microsoft.com/office/drawing/2010/main" val="0"/>
+              </a:ext>
+            </a:extLst>
+          </a:blip>
+          <a:srcRect l="5518" t="11515" r="9404" b="5805"/>
+          <a:stretch/>
+        </p:blipFill>
+        <p:spPr>
+          <a:xfrm>
+            <a:off x="661181" y="1859216"/>
+            <a:ext cx="5266009" cy="3838200"/>
+          </a:xfrm>
+        </p:spPr>
+      </p:pic>
+      <p:pic>
+        <p:nvPicPr>
+          <p:cNvPr id="17" name="Inhaltsplatzhalter 16">
+            <a:extLst>
+              <a:ext uri="{FF2B5EF4-FFF2-40B4-BE49-F238E27FC236}">
+                <a16:creationId xmlns:a16="http://schemas.microsoft.com/office/drawing/2014/main" id="{92E093C3-3AA3-43E6-B025-5172637AF433}"/>
+              </a:ext>
+            </a:extLst>
+          </p:cNvPr>
+          <p:cNvPicPr>
+            <a:picLocks noGrp="1" noChangeAspect="1"/>
+          </p:cNvPicPr>
+          <p:nvPr>
+            <p:ph sz="half" idx="2"/>
+          </p:nvPr>
+        </p:nvPicPr>
+        <p:blipFill rotWithShape="1">
+          <a:blip r:embed="rId3">
+            <a:extLst>
+              <a:ext uri="{28A0092B-C50C-407E-A947-70E740481C1C}">
+                <a14:useLocalDpi xmlns:a14="http://schemas.microsoft.com/office/drawing/2010/main" val="0"/>
+              </a:ext>
+            </a:extLst>
+          </a:blip>
+          <a:srcRect l="5519" t="11515" r="9404" b="5805"/>
+          <a:stretch/>
+        </p:blipFill>
+        <p:spPr>
+          <a:xfrm>
+            <a:off x="6044417" y="1859216"/>
+            <a:ext cx="5266008" cy="3838199"/>
+          </a:xfrm>
+        </p:spPr>
+      </p:pic>
+      <p:sp>
+        <p:nvSpPr>
+          <p:cNvPr id="18" name="Textfeld 17">
+            <a:extLst>
+              <a:ext uri="{FF2B5EF4-FFF2-40B4-BE49-F238E27FC236}">
+                <a16:creationId xmlns:a16="http://schemas.microsoft.com/office/drawing/2014/main" id="{730016CA-BA42-46D6-A9A2-5D274C59F391}"/>
+              </a:ext>
+            </a:extLst>
+          </p:cNvPr>
+          <p:cNvSpPr txBox="1"/>
+          <p:nvPr/>
+        </p:nvSpPr>
+        <p:spPr>
+          <a:xfrm>
+            <a:off x="2369156" y="5865943"/>
+            <a:ext cx="1850058" cy="369332"/>
+          </a:xfrm>
+          <a:prstGeom prst="rect">
+            <a:avLst/>
+          </a:prstGeom>
+          <a:noFill/>
+        </p:spPr>
+        <p:txBody>
+          <a:bodyPr wrap="none" rtlCol="0">
+            <a:spAutoFit/>
+          </a:bodyPr>
+          <a:lstStyle/>
+          <a:p>
+            <a:r>
+              <a:rPr lang="en-US" dirty="0"/>
+              <a:t>Purity score – k=2</a:t>
+            </a:r>
+          </a:p>
+        </p:txBody>
+      </p:sp>
+      <p:sp>
+        <p:nvSpPr>
+          <p:cNvPr id="19" name="Textfeld 18">
+            <a:extLst>
+              <a:ext uri="{FF2B5EF4-FFF2-40B4-BE49-F238E27FC236}">
+                <a16:creationId xmlns:a16="http://schemas.microsoft.com/office/drawing/2014/main" id="{7D327754-D5E8-48DB-9F7C-88869A014581}"/>
+              </a:ext>
+            </a:extLst>
+          </p:cNvPr>
+          <p:cNvSpPr txBox="1"/>
+          <p:nvPr/>
+        </p:nvSpPr>
+        <p:spPr>
+          <a:xfrm>
+            <a:off x="7047103" y="5865943"/>
+            <a:ext cx="3260636" cy="369332"/>
+          </a:xfrm>
+          <a:prstGeom prst="rect">
+            <a:avLst/>
+          </a:prstGeom>
+          <a:noFill/>
+        </p:spPr>
+        <p:txBody>
+          <a:bodyPr wrap="none" rtlCol="0">
+            <a:spAutoFit/>
+          </a:bodyPr>
+          <a:lstStyle/>
+          <a:p>
+            <a:r>
+              <a:rPr lang="en-US" dirty="0"/>
+              <a:t>Adjusted mutual info score – k=6</a:t>
+            </a:r>
+          </a:p>
+        </p:txBody>
+      </p:sp>
+    </p:spTree>
+    <p:extLst>
+      <p:ext uri="{BB962C8B-B14F-4D97-AF65-F5344CB8AC3E}">
+        <p14:creationId xmlns:p14="http://schemas.microsoft.com/office/powerpoint/2010/main" val="111131869"/>
+      </p:ext>
+    </p:extLst>
+  </p:cSld>
+  <p:clrMapOvr>
+    <a:masterClrMapping/>
+  </p:clrMapOvr>
+</p:sld>
+</file>
+
+<file path=ppt/slides/slide8.xml><?xml version="1.0" encoding="utf-8"?>
+<p:sld xmlns:a="http://schemas.openxmlformats.org/drawingml/2006/main" xmlns:r="http://schemas.openxmlformats.org/officeDocument/2006/relationships" xmlns:p="http://schemas.openxmlformats.org/presentationml/2006/main">
+  <p:cSld>
+    <p:bg>
+      <p:bgPr>
+        <a:solidFill>
+          <a:schemeClr val="bg1"/>
+        </a:solidFill>
+        <a:effectLst/>
+      </p:bgPr>
+    </p:bg>
+    <p:spTree>
+      <p:nvGrpSpPr>
+        <p:cNvPr id="1" name=""/>
+        <p:cNvGrpSpPr/>
+        <p:nvPr/>
+      </p:nvGrpSpPr>
+      <p:grpSpPr>
+        <a:xfrm>
+          <a:off x="0" y="0"/>
+          <a:ext cx="0" cy="0"/>
+          <a:chOff x="0" y="0"/>
+          <a:chExt cx="0" cy="0"/>
+        </a:xfrm>
+      </p:grpSpPr>
+      <p:sp>
+        <p:nvSpPr>
+          <p:cNvPr id="11" name="Rectangle 10">
+            <a:extLst>
+              <a:ext uri="{FF2B5EF4-FFF2-40B4-BE49-F238E27FC236}">
+                <a16:creationId xmlns:a16="http://schemas.microsoft.com/office/drawing/2014/main" id="{5E39A796-BE83-48B1-B33F-35C4A32AAB57}"/>
+              </a:ext>
+            </a:extLst>
+          </p:cNvPr>
+          <p:cNvSpPr>
+            <a:spLocks noGrp="1" noRot="1" noChangeAspect="1" noMove="1" noResize="1" noEditPoints="1" noAdjustHandles="1" noChangeArrowheads="1" noChangeShapeType="1" noTextEdit="1"/>
+          </p:cNvSpPr>
+          <p:nvPr>
+            <p:extLst>
+              <p:ext uri="{386F3935-93C4-4BCD-93E2-E3B085C9AB24}">
+                <p16:designElem xmlns:p16="http://schemas.microsoft.com/office/powerpoint/2015/main" val="1"/>
+              </p:ext>
+            </p:extLst>
+          </p:nvPr>
+        </p:nvSpPr>
+        <p:spPr>
+          <a:xfrm>
+            <a:off x="4639056" y="0"/>
+            <a:ext cx="7552944" cy="6858000"/>
+          </a:xfrm>
+          <a:prstGeom prst="rect">
+            <a:avLst/>
+          </a:prstGeom>
+          <a:solidFill>
+            <a:schemeClr val="bg2"/>
+          </a:solidFill>
+          <a:ln>
+            <a:noFill/>
+          </a:ln>
+        </p:spPr>
+        <p:style>
+          <a:lnRef idx="2">
+            <a:schemeClr val="accent1">
+              <a:shade val="50000"/>
+            </a:schemeClr>
+          </a:lnRef>
+          <a:fillRef idx="1">
+            <a:schemeClr val="accent1"/>
+          </a:fillRef>
+          <a:effectRef idx="0">
+            <a:schemeClr val="accent1"/>
+          </a:effectRef>
+          <a:fontRef idx="minor">
+            <a:schemeClr val="lt1"/>
+          </a:fontRef>
+        </p:style>
+        <p:txBody>
+          <a:bodyPr rtlCol="0" anchor="ctr"/>
+          <a:lstStyle/>
+          <a:p>
+            <a:pPr algn="ctr"/>
+            <a:endParaRPr lang="en-US"/>
+          </a:p>
+        </p:txBody>
+      </p:sp>
+      <p:sp>
+        <p:nvSpPr>
+          <p:cNvPr id="13" name="Rounded Rectangle 9">
+            <a:extLst>
+              <a:ext uri="{FF2B5EF4-FFF2-40B4-BE49-F238E27FC236}">
+                <a16:creationId xmlns:a16="http://schemas.microsoft.com/office/drawing/2014/main" id="{72F84B47-E267-4194-8194-831DB7B5547F}"/>
+              </a:ext>
+            </a:extLst>
+          </p:cNvPr>
+          <p:cNvSpPr>
+            <a:spLocks noGrp="1" noRot="1" noChangeAspect="1" noMove="1" noResize="1" noEditPoints="1" noAdjustHandles="1" noChangeArrowheads="1" noChangeShapeType="1" noTextEdit="1"/>
+          </p:cNvSpPr>
+          <p:nvPr>
+            <p:extLst>
+              <p:ext uri="{386F3935-93C4-4BCD-93E2-E3B085C9AB24}">
+                <p16:designElem xmlns:p16="http://schemas.microsoft.com/office/powerpoint/2015/main" val="1"/>
+              </p:ext>
+            </p:extLst>
+          </p:nvPr>
+        </p:nvSpPr>
+        <p:spPr>
+          <a:xfrm>
+            <a:off x="5123688" y="484632"/>
+            <a:ext cx="6584098" cy="5739187"/>
+          </a:xfrm>
+          <a:prstGeom prst="roundRect">
+            <a:avLst>
+              <a:gd name="adj" fmla="val 0"/>
+            </a:avLst>
+          </a:prstGeom>
+          <a:solidFill>
+            <a:schemeClr val="bg1"/>
+          </a:solidFill>
+          <a:ln w="9525">
+            <a:noFill/>
+          </a:ln>
+          <a:effectLst>
+            <a:outerShdw blurRad="57150" dist="19050" dir="5400000" algn="t" rotWithShape="0">
+              <a:prstClr val="black">
+                <a:alpha val="63000"/>
+              </a:prstClr>
+            </a:outerShdw>
+          </a:effectLst>
+        </p:spPr>
+        <p:style>
+          <a:lnRef idx="2">
+            <a:schemeClr val="accent1">
+              <a:shade val="50000"/>
+            </a:schemeClr>
+          </a:lnRef>
+          <a:fillRef idx="1">
+            <a:schemeClr val="accent1"/>
+          </a:fillRef>
+          <a:effectRef idx="0">
+            <a:schemeClr val="accent1"/>
+          </a:effectRef>
+          <a:fontRef idx="minor">
+            <a:schemeClr val="lt1"/>
+          </a:fontRef>
+        </p:style>
+        <p:txBody>
+          <a:bodyPr rtlCol="0" anchor="ctr"/>
+          <a:lstStyle/>
+          <a:p>
+            <a:pPr algn="ctr"/>
+            <a:endParaRPr lang="en-US"/>
+          </a:p>
+        </p:txBody>
+      </p:sp>
       <p:pic>
         <p:nvPicPr>
           <p:cNvPr id="6" name="Bildplatzhalter 5" descr="Ein Bild, das Screenshot enthält.&#10;&#10;Mit hoher Zuverlässigkeit generierte Beschreibung">
@@ -4971,7 +5312,7 @@
 </p:sld>
 </file>
 
-<file path=ppt/slides/slide7.xml><?xml version="1.0" encoding="utf-8"?>
+<file path=ppt/slides/slide9.xml><?xml version="1.0" encoding="utf-8"?>
 <p:sld xmlns:a="http://schemas.openxmlformats.org/drawingml/2006/main" xmlns:r="http://schemas.openxmlformats.org/officeDocument/2006/relationships" xmlns:p="http://schemas.openxmlformats.org/presentationml/2006/main">
   <p:cSld>
     <p:bg>
